--- a/Semester_work/Презентация.pptx
+++ b/Semester_work/Презентация.pptx
@@ -112,6 +112,11 @@
       </a:defRPr>
     </a:lvl9pPr>
   </p:defaultTextStyle>
+  <p:extLst>
+    <p:ext uri="{EFAFB233-063F-42B5-8137-9DF3F51BA10A}">
+      <p15:sldGuideLst xmlns:p15="http://schemas.microsoft.com/office/powerpoint/2012/main"/>
+    </p:ext>
+  </p:extLst>
 </p:presentation>
 </file>
 
@@ -14366,6 +14371,511 @@
           </a:p>
         </p:txBody>
       </p:sp>
+      <p:pic>
+        <p:nvPicPr>
+          <p:cNvPr id="5" name="Рисунок 4">
+            <a:extLst>
+              <a:ext uri="{FF2B5EF4-FFF2-40B4-BE49-F238E27FC236}">
+                <a16:creationId xmlns:a16="http://schemas.microsoft.com/office/drawing/2014/main" id="{ACE87CF6-F218-46A5-9451-EF28F9B45051}"/>
+              </a:ext>
+            </a:extLst>
+          </p:cNvPr>
+          <p:cNvPicPr>
+            <a:picLocks noChangeAspect="1"/>
+          </p:cNvPicPr>
+          <p:nvPr/>
+        </p:nvPicPr>
+        <p:blipFill>
+          <a:blip r:embed="rId2"/>
+          <a:stretch>
+            <a:fillRect/>
+          </a:stretch>
+        </p:blipFill>
+        <p:spPr>
+          <a:xfrm>
+            <a:off x="821028" y="2327850"/>
+            <a:ext cx="1694958" cy="1654038"/>
+          </a:xfrm>
+          <a:prstGeom prst="rect">
+            <a:avLst/>
+          </a:prstGeom>
+        </p:spPr>
+      </p:pic>
+      <p:pic>
+        <p:nvPicPr>
+          <p:cNvPr id="9" name="Рисунок 8">
+            <a:extLst>
+              <a:ext uri="{FF2B5EF4-FFF2-40B4-BE49-F238E27FC236}">
+                <a16:creationId xmlns:a16="http://schemas.microsoft.com/office/drawing/2014/main" id="{58C1FD8E-C123-4C8F-A166-7551C1C6BE2C}"/>
+              </a:ext>
+            </a:extLst>
+          </p:cNvPr>
+          <p:cNvPicPr>
+            <a:picLocks noChangeAspect="1"/>
+          </p:cNvPicPr>
+          <p:nvPr/>
+        </p:nvPicPr>
+        <p:blipFill>
+          <a:blip r:embed="rId3"/>
+          <a:stretch>
+            <a:fillRect/>
+          </a:stretch>
+        </p:blipFill>
+        <p:spPr>
+          <a:xfrm>
+            <a:off x="3849266" y="2409237"/>
+            <a:ext cx="3082390" cy="1491264"/>
+          </a:xfrm>
+          <a:prstGeom prst="rect">
+            <a:avLst/>
+          </a:prstGeom>
+        </p:spPr>
+      </p:pic>
+      <p:pic>
+        <p:nvPicPr>
+          <p:cNvPr id="11" name="Рисунок 10">
+            <a:extLst>
+              <a:ext uri="{FF2B5EF4-FFF2-40B4-BE49-F238E27FC236}">
+                <a16:creationId xmlns:a16="http://schemas.microsoft.com/office/drawing/2014/main" id="{1B27C24C-43EF-4A71-9B32-95B4DD78BFD3}"/>
+              </a:ext>
+            </a:extLst>
+          </p:cNvPr>
+          <p:cNvPicPr>
+            <a:picLocks noChangeAspect="1"/>
+          </p:cNvPicPr>
+          <p:nvPr/>
+        </p:nvPicPr>
+        <p:blipFill>
+          <a:blip r:embed="rId4"/>
+          <a:stretch>
+            <a:fillRect/>
+          </a:stretch>
+        </p:blipFill>
+        <p:spPr>
+          <a:xfrm>
+            <a:off x="8103885" y="2502527"/>
+            <a:ext cx="2180759" cy="1304684"/>
+          </a:xfrm>
+          <a:prstGeom prst="rect">
+            <a:avLst/>
+          </a:prstGeom>
+        </p:spPr>
+      </p:pic>
+      <p:cxnSp>
+        <p:nvCxnSpPr>
+          <p:cNvPr id="14" name="Прямая со стрелкой 13">
+            <a:extLst>
+              <a:ext uri="{FF2B5EF4-FFF2-40B4-BE49-F238E27FC236}">
+                <a16:creationId xmlns:a16="http://schemas.microsoft.com/office/drawing/2014/main" id="{72A6DB7A-EF31-44F9-A935-C0F5B41DE6AE}"/>
+              </a:ext>
+            </a:extLst>
+          </p:cNvPr>
+          <p:cNvCxnSpPr>
+            <a:cxnSpLocks/>
+            <a:stCxn id="9" idx="3"/>
+            <a:endCxn id="11" idx="1"/>
+          </p:cNvCxnSpPr>
+          <p:nvPr/>
+        </p:nvCxnSpPr>
+        <p:spPr>
+          <a:xfrm>
+            <a:off x="6931656" y="3154869"/>
+            <a:ext cx="1172229" cy="0"/>
+          </a:xfrm>
+          <a:prstGeom prst="straightConnector1">
+            <a:avLst/>
+          </a:prstGeom>
+          <a:ln w="57150">
+            <a:tailEnd type="triangle"/>
+          </a:ln>
+        </p:spPr>
+        <p:style>
+          <a:lnRef idx="1">
+            <a:schemeClr val="accent1"/>
+          </a:lnRef>
+          <a:fillRef idx="0">
+            <a:schemeClr val="accent1"/>
+          </a:fillRef>
+          <a:effectRef idx="0">
+            <a:schemeClr val="accent1"/>
+          </a:effectRef>
+          <a:fontRef idx="minor">
+            <a:schemeClr val="tx1"/>
+          </a:fontRef>
+        </p:style>
+      </p:cxnSp>
+      <p:cxnSp>
+        <p:nvCxnSpPr>
+          <p:cNvPr id="19" name="Прямая со стрелкой 18">
+            <a:extLst>
+              <a:ext uri="{FF2B5EF4-FFF2-40B4-BE49-F238E27FC236}">
+                <a16:creationId xmlns:a16="http://schemas.microsoft.com/office/drawing/2014/main" id="{8F258CB5-57D8-4057-8601-4EB573A652C6}"/>
+              </a:ext>
+            </a:extLst>
+          </p:cNvPr>
+          <p:cNvCxnSpPr>
+            <a:cxnSpLocks/>
+            <a:stCxn id="5" idx="3"/>
+            <a:endCxn id="9" idx="1"/>
+          </p:cNvCxnSpPr>
+          <p:nvPr/>
+        </p:nvCxnSpPr>
+        <p:spPr>
+          <a:xfrm>
+            <a:off x="2515986" y="3154869"/>
+            <a:ext cx="1333280" cy="0"/>
+          </a:xfrm>
+          <a:prstGeom prst="straightConnector1">
+            <a:avLst/>
+          </a:prstGeom>
+          <a:ln w="57150">
+            <a:tailEnd type="triangle"/>
+          </a:ln>
+        </p:spPr>
+        <p:style>
+          <a:lnRef idx="1">
+            <a:schemeClr val="accent1"/>
+          </a:lnRef>
+          <a:fillRef idx="0">
+            <a:schemeClr val="accent1"/>
+          </a:fillRef>
+          <a:effectRef idx="0">
+            <a:schemeClr val="accent1"/>
+          </a:effectRef>
+          <a:fontRef idx="minor">
+            <a:schemeClr val="tx1"/>
+          </a:fontRef>
+        </p:style>
+      </p:cxnSp>
+      <p:pic>
+        <p:nvPicPr>
+          <p:cNvPr id="27" name="Рисунок 26">
+            <a:extLst>
+              <a:ext uri="{FF2B5EF4-FFF2-40B4-BE49-F238E27FC236}">
+                <a16:creationId xmlns:a16="http://schemas.microsoft.com/office/drawing/2014/main" id="{1413BD5C-1876-43DE-9401-4C6C1CFBD080}"/>
+              </a:ext>
+            </a:extLst>
+          </p:cNvPr>
+          <p:cNvPicPr>
+            <a:picLocks noChangeAspect="1"/>
+          </p:cNvPicPr>
+          <p:nvPr/>
+        </p:nvPicPr>
+        <p:blipFill>
+          <a:blip r:embed="rId5"/>
+          <a:stretch>
+            <a:fillRect/>
+          </a:stretch>
+        </p:blipFill>
+        <p:spPr>
+          <a:xfrm>
+            <a:off x="7304476" y="4647960"/>
+            <a:ext cx="2980168" cy="1556387"/>
+          </a:xfrm>
+          <a:prstGeom prst="rect">
+            <a:avLst/>
+          </a:prstGeom>
+        </p:spPr>
+      </p:pic>
+      <p:sp>
+        <p:nvSpPr>
+          <p:cNvPr id="32" name="Стрелка: изогнутая влево 31">
+            <a:extLst>
+              <a:ext uri="{FF2B5EF4-FFF2-40B4-BE49-F238E27FC236}">
+                <a16:creationId xmlns:a16="http://schemas.microsoft.com/office/drawing/2014/main" id="{94970E50-5594-45CF-B20D-8EF6A94510DF}"/>
+              </a:ext>
+            </a:extLst>
+          </p:cNvPr>
+          <p:cNvSpPr/>
+          <p:nvPr/>
+        </p:nvSpPr>
+        <p:spPr>
+          <a:xfrm>
+            <a:off x="10369485" y="3154869"/>
+            <a:ext cx="584461" cy="2491787"/>
+          </a:xfrm>
+          <a:prstGeom prst="curvedLeftArrow">
+            <a:avLst/>
+          </a:prstGeom>
+        </p:spPr>
+        <p:style>
+          <a:lnRef idx="2">
+            <a:schemeClr val="accent1">
+              <a:shade val="50000"/>
+            </a:schemeClr>
+          </a:lnRef>
+          <a:fillRef idx="1">
+            <a:schemeClr val="accent1"/>
+          </a:fillRef>
+          <a:effectRef idx="0">
+            <a:schemeClr val="accent1"/>
+          </a:effectRef>
+          <a:fontRef idx="minor">
+            <a:schemeClr val="lt1"/>
+          </a:fontRef>
+        </p:style>
+        <p:txBody>
+          <a:bodyPr rtlCol="0" anchor="ctr"/>
+          <a:lstStyle/>
+          <a:p>
+            <a:pPr algn="ctr"/>
+            <a:endParaRPr lang="ru-RU">
+              <a:solidFill>
+                <a:schemeClr val="tx1"/>
+              </a:solidFill>
+            </a:endParaRPr>
+          </a:p>
+        </p:txBody>
+      </p:sp>
+      <p:pic>
+        <p:nvPicPr>
+          <p:cNvPr id="34" name="Рисунок 33">
+            <a:extLst>
+              <a:ext uri="{FF2B5EF4-FFF2-40B4-BE49-F238E27FC236}">
+                <a16:creationId xmlns:a16="http://schemas.microsoft.com/office/drawing/2014/main" id="{3247AF46-1898-465B-B36D-6032E7E1F400}"/>
+              </a:ext>
+            </a:extLst>
+          </p:cNvPr>
+          <p:cNvPicPr>
+            <a:picLocks noChangeAspect="1"/>
+          </p:cNvPicPr>
+          <p:nvPr/>
+        </p:nvPicPr>
+        <p:blipFill>
+          <a:blip r:embed="rId6"/>
+          <a:stretch>
+            <a:fillRect/>
+          </a:stretch>
+        </p:blipFill>
+        <p:spPr>
+          <a:xfrm>
+            <a:off x="1310206" y="4599134"/>
+            <a:ext cx="3744839" cy="1654038"/>
+          </a:xfrm>
+          <a:prstGeom prst="rect">
+            <a:avLst/>
+          </a:prstGeom>
+        </p:spPr>
+      </p:pic>
+      <p:cxnSp>
+        <p:nvCxnSpPr>
+          <p:cNvPr id="35" name="Прямая со стрелкой 34">
+            <a:extLst>
+              <a:ext uri="{FF2B5EF4-FFF2-40B4-BE49-F238E27FC236}">
+                <a16:creationId xmlns:a16="http://schemas.microsoft.com/office/drawing/2014/main" id="{BE8D13CB-A7BC-468D-8C5D-6FD719D986EA}"/>
+              </a:ext>
+            </a:extLst>
+          </p:cNvPr>
+          <p:cNvCxnSpPr>
+            <a:cxnSpLocks/>
+            <a:stCxn id="27" idx="1"/>
+            <a:endCxn id="34" idx="3"/>
+          </p:cNvCxnSpPr>
+          <p:nvPr/>
+        </p:nvCxnSpPr>
+        <p:spPr>
+          <a:xfrm flipH="1" flipV="1">
+            <a:off x="5055045" y="5426153"/>
+            <a:ext cx="2249431" cy="1"/>
+          </a:xfrm>
+          <a:prstGeom prst="straightConnector1">
+            <a:avLst/>
+          </a:prstGeom>
+          <a:ln w="57150">
+            <a:tailEnd type="triangle"/>
+          </a:ln>
+        </p:spPr>
+        <p:style>
+          <a:lnRef idx="1">
+            <a:schemeClr val="accent1"/>
+          </a:lnRef>
+          <a:fillRef idx="0">
+            <a:schemeClr val="accent1"/>
+          </a:fillRef>
+          <a:effectRef idx="0">
+            <a:schemeClr val="accent1"/>
+          </a:effectRef>
+          <a:fontRef idx="minor">
+            <a:schemeClr val="tx1"/>
+          </a:fontRef>
+        </p:style>
+      </p:cxnSp>
+      <p:sp>
+        <p:nvSpPr>
+          <p:cNvPr id="39" name="TextBox 38">
+            <a:extLst>
+              <a:ext uri="{FF2B5EF4-FFF2-40B4-BE49-F238E27FC236}">
+                <a16:creationId xmlns:a16="http://schemas.microsoft.com/office/drawing/2014/main" id="{0AF21B2C-B19A-4CA8-911E-4E06FFF1803D}"/>
+              </a:ext>
+            </a:extLst>
+          </p:cNvPr>
+          <p:cNvSpPr txBox="1"/>
+          <p:nvPr/>
+        </p:nvSpPr>
+        <p:spPr>
+          <a:xfrm>
+            <a:off x="821028" y="4046926"/>
+            <a:ext cx="1847653" cy="307777"/>
+          </a:xfrm>
+          <a:prstGeom prst="rect">
+            <a:avLst/>
+          </a:prstGeom>
+          <a:noFill/>
+        </p:spPr>
+        <p:txBody>
+          <a:bodyPr wrap="square" rtlCol="0">
+            <a:spAutoFit/>
+          </a:bodyPr>
+          <a:lstStyle/>
+          <a:p>
+            <a:r>
+              <a:rPr lang="ru-RU" sz="1400" dirty="0" err="1"/>
+              <a:t>Авторизируемся</a:t>
+            </a:r>
+            <a:endParaRPr lang="ru-RU" sz="1400" dirty="0"/>
+          </a:p>
+        </p:txBody>
+      </p:sp>
+      <p:sp>
+        <p:nvSpPr>
+          <p:cNvPr id="40" name="TextBox 39">
+            <a:extLst>
+              <a:ext uri="{FF2B5EF4-FFF2-40B4-BE49-F238E27FC236}">
+                <a16:creationId xmlns:a16="http://schemas.microsoft.com/office/drawing/2014/main" id="{7BE4A92D-BD6B-4DCF-A0AF-2F80A6778548}"/>
+              </a:ext>
+            </a:extLst>
+          </p:cNvPr>
+          <p:cNvSpPr txBox="1"/>
+          <p:nvPr/>
+        </p:nvSpPr>
+        <p:spPr>
+          <a:xfrm>
+            <a:off x="4265745" y="4046925"/>
+            <a:ext cx="2249431" cy="307777"/>
+          </a:xfrm>
+          <a:prstGeom prst="rect">
+            <a:avLst/>
+          </a:prstGeom>
+          <a:noFill/>
+        </p:spPr>
+        <p:txBody>
+          <a:bodyPr wrap="square" rtlCol="0">
+            <a:spAutoFit/>
+          </a:bodyPr>
+          <a:lstStyle/>
+          <a:p>
+            <a:r>
+              <a:rPr lang="ru-RU" sz="1400" dirty="0"/>
+              <a:t>Попадаем на главную</a:t>
+            </a:r>
+          </a:p>
+        </p:txBody>
+      </p:sp>
+      <p:sp>
+        <p:nvSpPr>
+          <p:cNvPr id="43" name="TextBox 42">
+            <a:extLst>
+              <a:ext uri="{FF2B5EF4-FFF2-40B4-BE49-F238E27FC236}">
+                <a16:creationId xmlns:a16="http://schemas.microsoft.com/office/drawing/2014/main" id="{BF30FD5E-E5D9-48D2-9ECD-FBADDC0816E7}"/>
+              </a:ext>
+            </a:extLst>
+          </p:cNvPr>
+          <p:cNvSpPr txBox="1"/>
+          <p:nvPr/>
+        </p:nvSpPr>
+        <p:spPr>
+          <a:xfrm>
+            <a:off x="8120054" y="4026138"/>
+            <a:ext cx="2249431" cy="307777"/>
+          </a:xfrm>
+          <a:prstGeom prst="rect">
+            <a:avLst/>
+          </a:prstGeom>
+          <a:noFill/>
+        </p:spPr>
+        <p:txBody>
+          <a:bodyPr wrap="square" rtlCol="0">
+            <a:spAutoFit/>
+          </a:bodyPr>
+          <a:lstStyle/>
+          <a:p>
+            <a:r>
+              <a:rPr lang="ru-RU" sz="1400" dirty="0"/>
+              <a:t>Добавляем заявку</a:t>
+            </a:r>
+          </a:p>
+        </p:txBody>
+      </p:sp>
+      <p:sp>
+        <p:nvSpPr>
+          <p:cNvPr id="44" name="TextBox 43">
+            <a:extLst>
+              <a:ext uri="{FF2B5EF4-FFF2-40B4-BE49-F238E27FC236}">
+                <a16:creationId xmlns:a16="http://schemas.microsoft.com/office/drawing/2014/main" id="{16E8F62C-0EC2-4362-9818-347FFC19EDED}"/>
+              </a:ext>
+            </a:extLst>
+          </p:cNvPr>
+          <p:cNvSpPr txBox="1"/>
+          <p:nvPr/>
+        </p:nvSpPr>
+        <p:spPr>
+          <a:xfrm>
+            <a:off x="7093964" y="6364036"/>
+            <a:ext cx="3401191" cy="307777"/>
+          </a:xfrm>
+          <a:prstGeom prst="rect">
+            <a:avLst/>
+          </a:prstGeom>
+          <a:noFill/>
+        </p:spPr>
+        <p:txBody>
+          <a:bodyPr wrap="square" rtlCol="0">
+            <a:spAutoFit/>
+          </a:bodyPr>
+          <a:lstStyle/>
+          <a:p>
+            <a:r>
+              <a:rPr lang="ru-RU" sz="1400" dirty="0"/>
+              <a:t>Попадаем в список своих заявок</a:t>
+            </a:r>
+          </a:p>
+        </p:txBody>
+      </p:sp>
+      <p:sp>
+        <p:nvSpPr>
+          <p:cNvPr id="45" name="TextBox 44">
+            <a:extLst>
+              <a:ext uri="{FF2B5EF4-FFF2-40B4-BE49-F238E27FC236}">
+                <a16:creationId xmlns:a16="http://schemas.microsoft.com/office/drawing/2014/main" id="{9ED16BDD-0260-47F0-8D08-EB4519FBD7C2}"/>
+              </a:ext>
+            </a:extLst>
+          </p:cNvPr>
+          <p:cNvSpPr txBox="1"/>
+          <p:nvPr/>
+        </p:nvSpPr>
+        <p:spPr>
+          <a:xfrm>
+            <a:off x="1310205" y="6364036"/>
+            <a:ext cx="3744839" cy="307777"/>
+          </a:xfrm>
+          <a:prstGeom prst="rect">
+            <a:avLst/>
+          </a:prstGeom>
+          <a:noFill/>
+        </p:spPr>
+        <p:txBody>
+          <a:bodyPr wrap="square" rtlCol="0">
+            <a:spAutoFit/>
+          </a:bodyPr>
+          <a:lstStyle/>
+          <a:p>
+            <a:r>
+              <a:rPr lang="ru-RU" sz="1400" dirty="0"/>
+              <a:t>Следим за ответами администрации</a:t>
+            </a:r>
+          </a:p>
+        </p:txBody>
+      </p:sp>
     </p:spTree>
     <p:extLst>
       <p:ext uri="{BB962C8B-B14F-4D97-AF65-F5344CB8AC3E}">
